--- a/documentation/interview/java/Collection-Q&A.pptx
+++ b/documentation/interview/java/Collection-Q&A.pptx
@@ -961,7 +961,7 @@
           <a:p>
             <a:fld id="{26AEEFA5-27D1-4988-A763-D5D9CAD0007C}" type="datetimeFigureOut">
               <a:rPr lang="en-IN" smtClean="0"/>
-              <a:t>16-07-2021</a:t>
+              <a:t>27-08-2022</a:t>
             </a:fld>
             <a:endParaRPr lang="en-IN"/>
           </a:p>
@@ -1161,7 +1161,7 @@
           <a:p>
             <a:fld id="{26AEEFA5-27D1-4988-A763-D5D9CAD0007C}" type="datetimeFigureOut">
               <a:rPr lang="en-IN" smtClean="0"/>
-              <a:t>16-07-2021</a:t>
+              <a:t>27-08-2022</a:t>
             </a:fld>
             <a:endParaRPr lang="en-IN"/>
           </a:p>
@@ -1371,7 +1371,7 @@
           <a:p>
             <a:fld id="{26AEEFA5-27D1-4988-A763-D5D9CAD0007C}" type="datetimeFigureOut">
               <a:rPr lang="en-IN" smtClean="0"/>
-              <a:t>16-07-2021</a:t>
+              <a:t>27-08-2022</a:t>
             </a:fld>
             <a:endParaRPr lang="en-IN"/>
           </a:p>
@@ -1571,7 +1571,7 @@
           <a:p>
             <a:fld id="{26AEEFA5-27D1-4988-A763-D5D9CAD0007C}" type="datetimeFigureOut">
               <a:rPr lang="en-IN" smtClean="0"/>
-              <a:t>16-07-2021</a:t>
+              <a:t>27-08-2022</a:t>
             </a:fld>
             <a:endParaRPr lang="en-IN"/>
           </a:p>
@@ -1847,7 +1847,7 @@
           <a:p>
             <a:fld id="{26AEEFA5-27D1-4988-A763-D5D9CAD0007C}" type="datetimeFigureOut">
               <a:rPr lang="en-IN" smtClean="0"/>
-              <a:t>16-07-2021</a:t>
+              <a:t>27-08-2022</a:t>
             </a:fld>
             <a:endParaRPr lang="en-IN"/>
           </a:p>
@@ -2115,7 +2115,7 @@
           <a:p>
             <a:fld id="{26AEEFA5-27D1-4988-A763-D5D9CAD0007C}" type="datetimeFigureOut">
               <a:rPr lang="en-IN" smtClean="0"/>
-              <a:t>16-07-2021</a:t>
+              <a:t>27-08-2022</a:t>
             </a:fld>
             <a:endParaRPr lang="en-IN"/>
           </a:p>
@@ -2530,7 +2530,7 @@
           <a:p>
             <a:fld id="{26AEEFA5-27D1-4988-A763-D5D9CAD0007C}" type="datetimeFigureOut">
               <a:rPr lang="en-IN" smtClean="0"/>
-              <a:t>16-07-2021</a:t>
+              <a:t>27-08-2022</a:t>
             </a:fld>
             <a:endParaRPr lang="en-IN"/>
           </a:p>
@@ -2672,7 +2672,7 @@
           <a:p>
             <a:fld id="{26AEEFA5-27D1-4988-A763-D5D9CAD0007C}" type="datetimeFigureOut">
               <a:rPr lang="en-IN" smtClean="0"/>
-              <a:t>16-07-2021</a:t>
+              <a:t>27-08-2022</a:t>
             </a:fld>
             <a:endParaRPr lang="en-IN"/>
           </a:p>
@@ -2785,7 +2785,7 @@
           <a:p>
             <a:fld id="{26AEEFA5-27D1-4988-A763-D5D9CAD0007C}" type="datetimeFigureOut">
               <a:rPr lang="en-IN" smtClean="0"/>
-              <a:t>16-07-2021</a:t>
+              <a:t>27-08-2022</a:t>
             </a:fld>
             <a:endParaRPr lang="en-IN"/>
           </a:p>
@@ -3098,7 +3098,7 @@
           <a:p>
             <a:fld id="{26AEEFA5-27D1-4988-A763-D5D9CAD0007C}" type="datetimeFigureOut">
               <a:rPr lang="en-IN" smtClean="0"/>
-              <a:t>16-07-2021</a:t>
+              <a:t>27-08-2022</a:t>
             </a:fld>
             <a:endParaRPr lang="en-IN"/>
           </a:p>
@@ -3387,7 +3387,7 @@
           <a:p>
             <a:fld id="{26AEEFA5-27D1-4988-A763-D5D9CAD0007C}" type="datetimeFigureOut">
               <a:rPr lang="en-IN" smtClean="0"/>
-              <a:t>16-07-2021</a:t>
+              <a:t>27-08-2022</a:t>
             </a:fld>
             <a:endParaRPr lang="en-IN"/>
           </a:p>
@@ -3630,7 +3630,7 @@
           <a:p>
             <a:fld id="{26AEEFA5-27D1-4988-A763-D5D9CAD0007C}" type="datetimeFigureOut">
               <a:rPr lang="en-IN" smtClean="0"/>
-              <a:t>16-07-2021</a:t>
+              <a:t>27-08-2022</a:t>
             </a:fld>
             <a:endParaRPr lang="en-IN"/>
           </a:p>
@@ -4047,42 +4047,6 @@
           <a:chExt cx="0" cy="0"/>
         </a:xfrm>
       </p:grpSpPr>
-      <p:pic>
-        <p:nvPicPr>
-          <p:cNvPr id="5" name="Picture 4">
-            <a:extLst>
-              <a:ext uri="{FF2B5EF4-FFF2-40B4-BE49-F238E27FC236}">
-                <a16:creationId xmlns:a16="http://schemas.microsoft.com/office/drawing/2014/main" id="{030FFB2E-BF2E-4D89-BCA7-B2BE6B46055E}"/>
-              </a:ext>
-            </a:extLst>
-          </p:cNvPr>
-          <p:cNvPicPr>
-            <a:picLocks noChangeAspect="1"/>
-          </p:cNvPicPr>
-          <p:nvPr/>
-        </p:nvPicPr>
-        <p:blipFill>
-          <a:blip r:embed="rId2">
-            <a:extLst>
-              <a:ext uri="{28A0092B-C50C-407E-A947-70E740481C1C}">
-                <a14:useLocalDpi xmlns:a14="http://schemas.microsoft.com/office/drawing/2010/main" val="0"/>
-              </a:ext>
-            </a:extLst>
-          </a:blip>
-          <a:stretch>
-            <a:fillRect/>
-          </a:stretch>
-        </p:blipFill>
-        <p:spPr>
-          <a:xfrm>
-            <a:off x="0" y="0"/>
-            <a:ext cx="12192000" cy="6858000"/>
-          </a:xfrm>
-          <a:prstGeom prst="rect">
-            <a:avLst/>
-          </a:prstGeom>
-        </p:spPr>
-      </p:pic>
     </p:spTree>
     <p:extLst>
       <p:ext uri="{BB962C8B-B14F-4D97-AF65-F5344CB8AC3E}">
@@ -8531,42 +8495,6 @@
           </a:p>
         </p:txBody>
       </p:sp>
-      <p:pic>
-        <p:nvPicPr>
-          <p:cNvPr id="6" name="Picture 5">
-            <a:extLst>
-              <a:ext uri="{FF2B5EF4-FFF2-40B4-BE49-F238E27FC236}">
-                <a16:creationId xmlns:a16="http://schemas.microsoft.com/office/drawing/2014/main" id="{5A6A63CF-73D0-4F78-8FB3-26FBB4552538}"/>
-              </a:ext>
-            </a:extLst>
-          </p:cNvPr>
-          <p:cNvPicPr>
-            <a:picLocks noChangeAspect="1"/>
-          </p:cNvPicPr>
-          <p:nvPr/>
-        </p:nvPicPr>
-        <p:blipFill>
-          <a:blip r:embed="rId2">
-            <a:extLst>
-              <a:ext uri="{28A0092B-C50C-407E-A947-70E740481C1C}">
-                <a14:useLocalDpi xmlns:a14="http://schemas.microsoft.com/office/drawing/2010/main" val="0"/>
-              </a:ext>
-            </a:extLst>
-          </a:blip>
-          <a:stretch>
-            <a:fillRect/>
-          </a:stretch>
-        </p:blipFill>
-        <p:spPr>
-          <a:xfrm>
-            <a:off x="1233996" y="1855434"/>
-            <a:ext cx="7474998" cy="4204686"/>
-          </a:xfrm>
-          <a:prstGeom prst="rect">
-            <a:avLst/>
-          </a:prstGeom>
-        </p:spPr>
-      </p:pic>
       <p:sp>
         <p:nvSpPr>
           <p:cNvPr id="7" name="TextBox 6">
@@ -8752,54 +8680,6 @@
           </a:fontRef>
         </p:style>
       </p:cxnSp>
-      <p:sp>
-        <p:nvSpPr>
-          <p:cNvPr id="16" name="TextBox 15">
-            <a:extLst>
-              <a:ext uri="{FF2B5EF4-FFF2-40B4-BE49-F238E27FC236}">
-                <a16:creationId xmlns:a16="http://schemas.microsoft.com/office/drawing/2014/main" id="{3B8AF576-C839-4428-9AF9-AB17FE9279BC}"/>
-              </a:ext>
-            </a:extLst>
-          </p:cNvPr>
-          <p:cNvSpPr txBox="1"/>
-          <p:nvPr/>
-        </p:nvSpPr>
-        <p:spPr>
-          <a:xfrm>
-            <a:off x="9299359" y="4787669"/>
-            <a:ext cx="2348144" cy="369332"/>
-          </a:xfrm>
-          <a:prstGeom prst="rect">
-            <a:avLst/>
-          </a:prstGeom>
-        </p:spPr>
-        <p:style>
-          <a:lnRef idx="2">
-            <a:schemeClr val="accent5"/>
-          </a:lnRef>
-          <a:fillRef idx="1">
-            <a:schemeClr val="lt1"/>
-          </a:fillRef>
-          <a:effectRef idx="0">
-            <a:schemeClr val="accent5"/>
-          </a:effectRef>
-          <a:fontRef idx="minor">
-            <a:schemeClr val="dk1"/>
-          </a:fontRef>
-        </p:style>
-        <p:txBody>
-          <a:bodyPr wrap="square" rtlCol="0">
-            <a:spAutoFit/>
-          </a:bodyPr>
-          <a:lstStyle/>
-          <a:p>
-            <a:r>
-              <a:rPr lang="en-IN" dirty="0"/>
-              <a:t> java.util.concurrent.*</a:t>
-            </a:r>
-          </a:p>
-        </p:txBody>
-      </p:sp>
     </p:spTree>
     <p:extLst>
       <p:ext uri="{BB962C8B-B14F-4D97-AF65-F5344CB8AC3E}">
@@ -8880,7 +8760,7 @@
                             </p:stCondLst>
                             <p:childTnLst>
                               <p:par>
-                                <p:cTn id="9" presetID="2" presetClass="entr" presetSubtype="4" fill="hold" nodeType="clickEffect">
+                                <p:cTn id="9" presetID="1" presetClass="entr" presetSubtype="0" fill="hold" grpId="0" nodeType="clickEffect">
                                   <p:stCondLst>
                                     <p:cond delay="0"/>
                                   </p:stCondLst>
@@ -8888,97 +8768,6 @@
                                     <p:set>
                                       <p:cBhvr>
                                         <p:cTn id="10" dur="1" fill="hold">
-                                          <p:stCondLst>
-                                            <p:cond delay="0"/>
-                                          </p:stCondLst>
-                                        </p:cTn>
-                                        <p:tgtEl>
-                                          <p:spTgt spid="6"/>
-                                        </p:tgtEl>
-                                        <p:attrNameLst>
-                                          <p:attrName>style.visibility</p:attrName>
-                                        </p:attrNameLst>
-                                      </p:cBhvr>
-                                      <p:to>
-                                        <p:strVal val="visible"/>
-                                      </p:to>
-                                    </p:set>
-                                    <p:anim calcmode="lin" valueType="num">
-                                      <p:cBhvr additive="base">
-                                        <p:cTn id="11" dur="500" fill="hold"/>
-                                        <p:tgtEl>
-                                          <p:spTgt spid="6"/>
-                                        </p:tgtEl>
-                                        <p:attrNameLst>
-                                          <p:attrName>ppt_x</p:attrName>
-                                        </p:attrNameLst>
-                                      </p:cBhvr>
-                                      <p:tavLst>
-                                        <p:tav tm="0">
-                                          <p:val>
-                                            <p:strVal val="#ppt_x"/>
-                                          </p:val>
-                                        </p:tav>
-                                        <p:tav tm="100000">
-                                          <p:val>
-                                            <p:strVal val="#ppt_x"/>
-                                          </p:val>
-                                        </p:tav>
-                                      </p:tavLst>
-                                    </p:anim>
-                                    <p:anim calcmode="lin" valueType="num">
-                                      <p:cBhvr additive="base">
-                                        <p:cTn id="12" dur="500" fill="hold"/>
-                                        <p:tgtEl>
-                                          <p:spTgt spid="6"/>
-                                        </p:tgtEl>
-                                        <p:attrNameLst>
-                                          <p:attrName>ppt_y</p:attrName>
-                                        </p:attrNameLst>
-                                      </p:cBhvr>
-                                      <p:tavLst>
-                                        <p:tav tm="0">
-                                          <p:val>
-                                            <p:strVal val="1+#ppt_h/2"/>
-                                          </p:val>
-                                        </p:tav>
-                                        <p:tav tm="100000">
-                                          <p:val>
-                                            <p:strVal val="#ppt_y"/>
-                                          </p:val>
-                                        </p:tav>
-                                      </p:tavLst>
-                                    </p:anim>
-                                  </p:childTnLst>
-                                </p:cTn>
-                              </p:par>
-                            </p:childTnLst>
-                          </p:cTn>
-                        </p:par>
-                      </p:childTnLst>
-                    </p:cTn>
-                  </p:par>
-                  <p:par>
-                    <p:cTn id="13" fill="hold">
-                      <p:stCondLst>
-                        <p:cond delay="indefinite"/>
-                      </p:stCondLst>
-                      <p:childTnLst>
-                        <p:par>
-                          <p:cTn id="14" fill="hold">
-                            <p:stCondLst>
-                              <p:cond delay="0"/>
-                            </p:stCondLst>
-                            <p:childTnLst>
-                              <p:par>
-                                <p:cTn id="15" presetID="1" presetClass="entr" presetSubtype="0" fill="hold" grpId="0" nodeType="clickEffect">
-                                  <p:stCondLst>
-                                    <p:cond delay="0"/>
-                                  </p:stCondLst>
-                                  <p:childTnLst>
-                                    <p:set>
-                                      <p:cBhvr>
-                                        <p:cTn id="16" dur="1" fill="hold">
                                           <p:stCondLst>
                                             <p:cond delay="0"/>
                                           </p:stCondLst>
@@ -9004,26 +8793,26 @@
                     </p:cTn>
                   </p:par>
                   <p:par>
-                    <p:cTn id="17" fill="hold">
+                    <p:cTn id="11" fill="hold">
                       <p:stCondLst>
                         <p:cond delay="indefinite"/>
                       </p:stCondLst>
                       <p:childTnLst>
                         <p:par>
-                          <p:cTn id="18" fill="hold">
+                          <p:cTn id="12" fill="hold">
                             <p:stCondLst>
                               <p:cond delay="0"/>
                             </p:stCondLst>
                             <p:childTnLst>
                               <p:par>
-                                <p:cTn id="19" presetID="1" presetClass="entr" presetSubtype="0" fill="hold" grpId="0" nodeType="clickEffect">
+                                <p:cTn id="13" presetID="1" presetClass="entr" presetSubtype="0" fill="hold" grpId="0" nodeType="clickEffect">
                                   <p:stCondLst>
                                     <p:cond delay="0"/>
                                   </p:stCondLst>
                                   <p:childTnLst>
                                     <p:set>
                                       <p:cBhvr>
-                                        <p:cTn id="20" dur="1" fill="hold">
+                                        <p:cTn id="14" dur="1" fill="hold">
                                           <p:stCondLst>
                                             <p:cond delay="0"/>
                                           </p:stCondLst>
@@ -9049,26 +8838,26 @@
                     </p:cTn>
                   </p:par>
                   <p:par>
-                    <p:cTn id="21" fill="hold">
+                    <p:cTn id="15" fill="hold">
                       <p:stCondLst>
                         <p:cond delay="indefinite"/>
                       </p:stCondLst>
                       <p:childTnLst>
                         <p:par>
-                          <p:cTn id="22" fill="hold">
+                          <p:cTn id="16" fill="hold">
                             <p:stCondLst>
                               <p:cond delay="0"/>
                             </p:stCondLst>
                             <p:childTnLst>
                               <p:par>
-                                <p:cTn id="23" presetID="1" presetClass="entr" presetSubtype="0" fill="hold" grpId="0" nodeType="clickEffect">
+                                <p:cTn id="17" presetID="1" presetClass="entr" presetSubtype="0" fill="hold" grpId="0" nodeType="clickEffect">
                                   <p:stCondLst>
                                     <p:cond delay="0"/>
                                   </p:stCondLst>
                                   <p:childTnLst>
                                     <p:set>
                                       <p:cBhvr>
-                                        <p:cTn id="24" dur="1" fill="hold">
+                                        <p:cTn id="18" dur="1" fill="hold">
                                           <p:stCondLst>
                                             <p:cond delay="0"/>
                                           </p:stCondLst>
@@ -9094,26 +8883,26 @@
                     </p:cTn>
                   </p:par>
                   <p:par>
-                    <p:cTn id="25" fill="hold">
+                    <p:cTn id="19" fill="hold">
                       <p:stCondLst>
                         <p:cond delay="indefinite"/>
                       </p:stCondLst>
                       <p:childTnLst>
                         <p:par>
-                          <p:cTn id="26" fill="hold">
+                          <p:cTn id="20" fill="hold">
                             <p:stCondLst>
                               <p:cond delay="0"/>
                             </p:stCondLst>
                             <p:childTnLst>
                               <p:par>
-                                <p:cTn id="27" presetID="1" presetClass="entr" presetSubtype="0" fill="hold" nodeType="clickEffect">
+                                <p:cTn id="21" presetID="1" presetClass="entr" presetSubtype="0" fill="hold" nodeType="clickEffect">
                                   <p:stCondLst>
                                     <p:cond delay="0"/>
                                   </p:stCondLst>
                                   <p:childTnLst>
                                     <p:set>
                                       <p:cBhvr>
-                                        <p:cTn id="28" dur="1" fill="hold">
+                                        <p:cTn id="22" dur="1" fill="hold">
                                           <p:stCondLst>
                                             <p:cond delay="0"/>
                                           </p:stCondLst>
@@ -9129,112 +8918,6 @@
                                         <p:strVal val="visible"/>
                                       </p:to>
                                     </p:set>
-                                  </p:childTnLst>
-                                </p:cTn>
-                              </p:par>
-                            </p:childTnLst>
-                          </p:cTn>
-                        </p:par>
-                      </p:childTnLst>
-                    </p:cTn>
-                  </p:par>
-                  <p:par>
-                    <p:cTn id="29" fill="hold">
-                      <p:stCondLst>
-                        <p:cond delay="indefinite"/>
-                      </p:stCondLst>
-                      <p:childTnLst>
-                        <p:par>
-                          <p:cTn id="30" fill="hold">
-                            <p:stCondLst>
-                              <p:cond delay="0"/>
-                            </p:stCondLst>
-                            <p:childTnLst>
-                              <p:par>
-                                <p:cTn id="31" presetID="1" presetClass="entr" presetSubtype="0" fill="hold" grpId="0" nodeType="clickEffect">
-                                  <p:stCondLst>
-                                    <p:cond delay="0"/>
-                                  </p:stCondLst>
-                                  <p:childTnLst>
-                                    <p:set>
-                                      <p:cBhvr>
-                                        <p:cTn id="32" dur="1" fill="hold">
-                                          <p:stCondLst>
-                                            <p:cond delay="0"/>
-                                          </p:stCondLst>
-                                        </p:cTn>
-                                        <p:tgtEl>
-                                          <p:spTgt spid="16"/>
-                                        </p:tgtEl>
-                                        <p:attrNameLst>
-                                          <p:attrName>style.visibility</p:attrName>
-                                        </p:attrNameLst>
-                                      </p:cBhvr>
-                                      <p:to>
-                                        <p:strVal val="visible"/>
-                                      </p:to>
-                                    </p:set>
-                                  </p:childTnLst>
-                                </p:cTn>
-                              </p:par>
-                            </p:childTnLst>
-                          </p:cTn>
-                        </p:par>
-                      </p:childTnLst>
-                    </p:cTn>
-                  </p:par>
-                  <p:par>
-                    <p:cTn id="33" fill="hold">
-                      <p:stCondLst>
-                        <p:cond delay="indefinite"/>
-                      </p:stCondLst>
-                      <p:childTnLst>
-                        <p:par>
-                          <p:cTn id="34" fill="hold">
-                            <p:stCondLst>
-                              <p:cond delay="0"/>
-                            </p:stCondLst>
-                            <p:childTnLst>
-                              <p:par>
-                                <p:cTn id="35" presetID="10" presetClass="entr" presetSubtype="0" fill="hold" nodeType="clickEffect">
-                                  <p:stCondLst>
-                                    <p:cond delay="0"/>
-                                  </p:stCondLst>
-                                  <p:childTnLst>
-                                    <p:set>
-                                      <p:cBhvr>
-                                        <p:cTn id="36" dur="1" fill="hold">
-                                          <p:stCondLst>
-                                            <p:cond delay="0"/>
-                                          </p:stCondLst>
-                                        </p:cTn>
-                                        <p:tgtEl>
-                                          <p:spTgt spid="16">
-                                            <p:txEl>
-                                              <p:pRg st="0" end="0"/>
-                                            </p:txEl>
-                                          </p:spTgt>
-                                        </p:tgtEl>
-                                        <p:attrNameLst>
-                                          <p:attrName>style.visibility</p:attrName>
-                                        </p:attrNameLst>
-                                      </p:cBhvr>
-                                      <p:to>
-                                        <p:strVal val="visible"/>
-                                      </p:to>
-                                    </p:set>
-                                    <p:animEffect transition="in" filter="fade">
-                                      <p:cBhvr>
-                                        <p:cTn id="37" dur="500"/>
-                                        <p:tgtEl>
-                                          <p:spTgt spid="16">
-                                            <p:txEl>
-                                              <p:pRg st="0" end="0"/>
-                                            </p:txEl>
-                                          </p:spTgt>
-                                        </p:tgtEl>
-                                      </p:cBhvr>
-                                    </p:animEffect>
                                   </p:childTnLst>
                                 </p:cTn>
                               </p:par>
@@ -9269,7 +8952,6 @@
       <p:bldP spid="7" grpId="0"/>
       <p:bldP spid="9" grpId="0"/>
       <p:bldP spid="12" grpId="0"/>
-      <p:bldP spid="16" grpId="0" animBg="1"/>
     </p:bldLst>
   </p:timing>
 </p:sld>
@@ -10618,41 +10300,6 @@
           <a:chExt cx="0" cy="0"/>
         </a:xfrm>
       </p:grpSpPr>
-      <p:pic>
-        <p:nvPicPr>
-          <p:cNvPr id="5" name="Content Placeholder 4">
-            <a:extLst>
-              <a:ext uri="{FF2B5EF4-FFF2-40B4-BE49-F238E27FC236}">
-                <a16:creationId xmlns:a16="http://schemas.microsoft.com/office/drawing/2014/main" id="{2E36E389-40C0-494C-AFD1-A27984A80F7D}"/>
-              </a:ext>
-            </a:extLst>
-          </p:cNvPr>
-          <p:cNvPicPr>
-            <a:picLocks noGrp="1" noChangeAspect="1"/>
-          </p:cNvPicPr>
-          <p:nvPr>
-            <p:ph idx="1"/>
-          </p:nvPr>
-        </p:nvPicPr>
-        <p:blipFill>
-          <a:blip r:embed="rId2">
-            <a:extLst>
-              <a:ext uri="{28A0092B-C50C-407E-A947-70E740481C1C}">
-                <a14:useLocalDpi xmlns:a14="http://schemas.microsoft.com/office/drawing/2010/main" val="0"/>
-              </a:ext>
-            </a:extLst>
-          </a:blip>
-          <a:stretch>
-            <a:fillRect/>
-          </a:stretch>
-        </p:blipFill>
-        <p:spPr>
-          <a:xfrm>
-            <a:off x="1042441" y="1662237"/>
-            <a:ext cx="9246777" cy="4497256"/>
-          </a:xfrm>
-        </p:spPr>
-      </p:pic>
       <p:sp>
         <p:nvSpPr>
           <p:cNvPr id="4" name="Rectangle 3">
@@ -10866,6 +10513,25 @@
               <a:latin typeface="Cambria" panose="02040503050406030204" pitchFamily="18" charset="0"/>
               <a:ea typeface="Cambria" panose="02040503050406030204" pitchFamily="18" charset="0"/>
             </a:endParaRPr>
+          </a:p>
+        </p:txBody>
+      </p:sp>
+      <p:sp>
+        <p:nvSpPr>
+          <p:cNvPr id="2" name="Content Placeholder 1"/>
+          <p:cNvSpPr>
+            <a:spLocks noGrp="1"/>
+          </p:cNvSpPr>
+          <p:nvPr>
+            <p:ph idx="1"/>
+          </p:nvPr>
+        </p:nvSpPr>
+        <p:spPr/>
+        <p:txBody>
+          <a:bodyPr/>
+          <a:lstStyle/>
+          <a:p>
+            <a:endParaRPr lang="en-US"/>
           </a:p>
         </p:txBody>
       </p:sp>
@@ -10901,174 +10567,6 @@
       </p:grpSpPr>
       <p:sp>
         <p:nvSpPr>
-          <p:cNvPr id="3" name="Content Placeholder 2">
-            <a:extLst>
-              <a:ext uri="{FF2B5EF4-FFF2-40B4-BE49-F238E27FC236}">
-                <a16:creationId xmlns:a16="http://schemas.microsoft.com/office/drawing/2014/main" id="{12C3DFA5-4430-4125-A031-5F8C942BF275}"/>
-              </a:ext>
-            </a:extLst>
-          </p:cNvPr>
-          <p:cNvSpPr>
-            <a:spLocks noGrp="1"/>
-          </p:cNvSpPr>
-          <p:nvPr>
-            <p:ph idx="1"/>
-          </p:nvPr>
-        </p:nvSpPr>
-        <p:spPr>
-          <a:xfrm>
-            <a:off x="838200" y="1029810"/>
-            <a:ext cx="10515600" cy="5147153"/>
-          </a:xfrm>
-        </p:spPr>
-        <p:txBody>
-          <a:bodyPr>
-            <a:normAutofit/>
-          </a:bodyPr>
-          <a:lstStyle/>
-          <a:p>
-            <a:pPr marL="0" indent="0">
-              <a:buNone/>
-            </a:pPr>
-            <a:r>
-              <a:rPr lang="en-IN" sz="2400" dirty="0">
-                <a:latin typeface="Cambria" panose="02040503050406030204" pitchFamily="18" charset="0"/>
-                <a:ea typeface="Cambria" panose="02040503050406030204" pitchFamily="18" charset="0"/>
-              </a:rPr>
-              <a:t>9. Multi Comparing using Comparator Scenario</a:t>
-            </a:r>
-          </a:p>
-          <a:p>
-            <a:pPr marL="0" indent="0">
-              <a:buNone/>
-            </a:pPr>
-            <a:endParaRPr lang="en-IN" sz="2400" dirty="0">
-              <a:latin typeface="Cambria" panose="02040503050406030204" pitchFamily="18" charset="0"/>
-              <a:ea typeface="Cambria" panose="02040503050406030204" pitchFamily="18" charset="0"/>
-            </a:endParaRPr>
-          </a:p>
-          <a:p>
-            <a:pPr marL="0" indent="0">
-              <a:buNone/>
-            </a:pPr>
-            <a:r>
-              <a:rPr lang="en-IN" sz="2400" dirty="0">
-                <a:latin typeface="Cambria" panose="02040503050406030204" pitchFamily="18" charset="0"/>
-                <a:ea typeface="Cambria" panose="02040503050406030204" pitchFamily="18" charset="0"/>
-              </a:rPr>
-              <a:t>10. What is the </a:t>
-            </a:r>
-            <a:r>
-              <a:rPr lang="en-US" sz="2400" dirty="0">
-                <a:latin typeface="Cambria" panose="02040503050406030204" pitchFamily="18" charset="0"/>
-                <a:ea typeface="Cambria" panose="02040503050406030204" pitchFamily="18" charset="0"/>
-              </a:rPr>
-              <a:t>difference between fail fast and fail safe iterator </a:t>
-            </a:r>
-          </a:p>
-          <a:p>
-            <a:pPr marL="0" indent="0">
-              <a:buNone/>
-            </a:pPr>
-            <a:endParaRPr lang="en-US" sz="2400" dirty="0">
-              <a:latin typeface="Cambria" panose="02040503050406030204" pitchFamily="18" charset="0"/>
-              <a:ea typeface="Cambria" panose="02040503050406030204" pitchFamily="18" charset="0"/>
-            </a:endParaRPr>
-          </a:p>
-          <a:p>
-            <a:pPr lvl="1"/>
-            <a:r>
-              <a:rPr lang="en-IN" sz="2000" dirty="0">
-                <a:latin typeface="Cambria" panose="02040503050406030204" pitchFamily="18" charset="0"/>
-                <a:ea typeface="Cambria" panose="02040503050406030204" pitchFamily="18" charset="0"/>
-              </a:rPr>
-              <a:t>A iterator which will fail fast when we do any modification while iterating a collection is called fail fast iterator </a:t>
-            </a:r>
-            <a:r>
-              <a:rPr lang="en-IN" sz="2000" dirty="0">
-                <a:solidFill>
-                  <a:srgbClr val="0070C0"/>
-                </a:solidFill>
-                <a:latin typeface="Cambria" panose="02040503050406030204" pitchFamily="18" charset="0"/>
-                <a:ea typeface="Cambria" panose="02040503050406030204" pitchFamily="18" charset="0"/>
-              </a:rPr>
-              <a:t>Ex : (ArrayList ,HashMap and Vector)</a:t>
-            </a:r>
-          </a:p>
-          <a:p>
-            <a:pPr marL="457200" lvl="1" indent="0">
-              <a:buNone/>
-            </a:pPr>
-            <a:endParaRPr lang="en-IN" sz="2000" dirty="0">
-              <a:latin typeface="Cambria" panose="02040503050406030204" pitchFamily="18" charset="0"/>
-              <a:ea typeface="Cambria" panose="02040503050406030204" pitchFamily="18" charset="0"/>
-            </a:endParaRPr>
-          </a:p>
-          <a:p>
-            <a:pPr lvl="1"/>
-            <a:r>
-              <a:rPr lang="en-IN" sz="2000" dirty="0">
-                <a:latin typeface="Cambria" panose="02040503050406030204" pitchFamily="18" charset="0"/>
-                <a:ea typeface="Cambria" panose="02040503050406030204" pitchFamily="18" charset="0"/>
-              </a:rPr>
-              <a:t>Iterator who allow us to modify in middle while iterating a collection is called Non-Fail Fast Iterator </a:t>
-            </a:r>
-            <a:r>
-              <a:rPr lang="en-IN" sz="2000" dirty="0">
-                <a:solidFill>
-                  <a:srgbClr val="0070C0"/>
-                </a:solidFill>
-                <a:latin typeface="Cambria" panose="02040503050406030204" pitchFamily="18" charset="0"/>
-                <a:ea typeface="Cambria" panose="02040503050406030204" pitchFamily="18" charset="0"/>
-              </a:rPr>
-              <a:t>Ex: (CopyOnWriteArrayList , CopyOnWriteArraySet, ConcurrentHashMap)</a:t>
-            </a:r>
-          </a:p>
-          <a:p>
-            <a:pPr lvl="1"/>
-            <a:endParaRPr lang="en-IN" sz="2000" dirty="0">
-              <a:latin typeface="Cambria" panose="02040503050406030204" pitchFamily="18" charset="0"/>
-              <a:ea typeface="Cambria" panose="02040503050406030204" pitchFamily="18" charset="0"/>
-            </a:endParaRPr>
-          </a:p>
-          <a:p>
-            <a:pPr lvl="1"/>
-            <a:r>
-              <a:rPr lang="en-IN" sz="2000" dirty="0">
-                <a:latin typeface="Cambria" panose="02040503050406030204" pitchFamily="18" charset="0"/>
-                <a:ea typeface="Cambria" panose="02040503050406030204" pitchFamily="18" charset="0"/>
-              </a:rPr>
-              <a:t>Example </a:t>
-            </a:r>
-          </a:p>
-          <a:p>
-            <a:pPr lvl="1"/>
-            <a:endParaRPr lang="en-IN" sz="2000" dirty="0">
-              <a:latin typeface="Cambria" panose="02040503050406030204" pitchFamily="18" charset="0"/>
-              <a:ea typeface="Cambria" panose="02040503050406030204" pitchFamily="18" charset="0"/>
-            </a:endParaRPr>
-          </a:p>
-          <a:p>
-            <a:pPr lvl="1"/>
-            <a:r>
-              <a:rPr lang="en-IN" sz="2000" dirty="0">
-                <a:latin typeface="Cambria" panose="02040503050406030204" pitchFamily="18" charset="0"/>
-                <a:ea typeface="Cambria" panose="02040503050406030204" pitchFamily="18" charset="0"/>
-              </a:rPr>
-              <a:t>Internal Flow </a:t>
-            </a:r>
-          </a:p>
-          <a:p>
-            <a:pPr lvl="1"/>
-            <a:endParaRPr lang="en-IN" sz="2000" dirty="0">
-              <a:latin typeface="Cambria" panose="02040503050406030204" pitchFamily="18" charset="0"/>
-              <a:ea typeface="Cambria" panose="02040503050406030204" pitchFamily="18" charset="0"/>
-            </a:endParaRPr>
-          </a:p>
-        </p:txBody>
-      </p:sp>
-      <p:sp>
-        <p:nvSpPr>
           <p:cNvPr id="4" name="Rectangle 3">
             <a:extLst>
               <a:ext uri="{FF2B5EF4-FFF2-40B4-BE49-F238E27FC236}">
@@ -11152,432 +10650,7 @@
   <p:timing>
     <p:tnLst>
       <p:par>
-        <p:cTn id="1" dur="indefinite" restart="never" nodeType="tmRoot">
-          <p:childTnLst>
-            <p:seq concurrent="1" nextAc="seek">
-              <p:cTn id="2" dur="indefinite" nodeType="mainSeq">
-                <p:childTnLst>
-                  <p:par>
-                    <p:cTn id="3" fill="hold">
-                      <p:stCondLst>
-                        <p:cond delay="indefinite"/>
-                      </p:stCondLst>
-                      <p:childTnLst>
-                        <p:par>
-                          <p:cTn id="4" fill="hold">
-                            <p:stCondLst>
-                              <p:cond delay="0"/>
-                            </p:stCondLst>
-                            <p:childTnLst>
-                              <p:par>
-                                <p:cTn id="5" presetID="1" presetClass="entr" presetSubtype="0" fill="hold" nodeType="clickEffect">
-                                  <p:stCondLst>
-                                    <p:cond delay="0"/>
-                                  </p:stCondLst>
-                                  <p:childTnLst>
-                                    <p:set>
-                                      <p:cBhvr>
-                                        <p:cTn id="6" dur="1" fill="hold">
-                                          <p:stCondLst>
-                                            <p:cond delay="0"/>
-                                          </p:stCondLst>
-                                        </p:cTn>
-                                        <p:tgtEl>
-                                          <p:spTgt spid="3">
-                                            <p:txEl>
-                                              <p:pRg st="0" end="0"/>
-                                            </p:txEl>
-                                          </p:spTgt>
-                                        </p:tgtEl>
-                                        <p:attrNameLst>
-                                          <p:attrName>style.visibility</p:attrName>
-                                        </p:attrNameLst>
-                                      </p:cBhvr>
-                                      <p:to>
-                                        <p:strVal val="visible"/>
-                                      </p:to>
-                                    </p:set>
-                                  </p:childTnLst>
-                                </p:cTn>
-                              </p:par>
-                            </p:childTnLst>
-                          </p:cTn>
-                        </p:par>
-                      </p:childTnLst>
-                    </p:cTn>
-                  </p:par>
-                  <p:par>
-                    <p:cTn id="7" fill="hold">
-                      <p:stCondLst>
-                        <p:cond delay="indefinite"/>
-                      </p:stCondLst>
-                      <p:childTnLst>
-                        <p:par>
-                          <p:cTn id="8" fill="hold">
-                            <p:stCondLst>
-                              <p:cond delay="0"/>
-                            </p:stCondLst>
-                            <p:childTnLst>
-                              <p:par>
-                                <p:cTn id="9" presetID="1" presetClass="entr" presetSubtype="0" fill="hold" nodeType="clickEffect">
-                                  <p:stCondLst>
-                                    <p:cond delay="0"/>
-                                  </p:stCondLst>
-                                  <p:childTnLst>
-                                    <p:set>
-                                      <p:cBhvr>
-                                        <p:cTn id="10" dur="1" fill="hold">
-                                          <p:stCondLst>
-                                            <p:cond delay="0"/>
-                                          </p:stCondLst>
-                                        </p:cTn>
-                                        <p:tgtEl>
-                                          <p:spTgt spid="3">
-                                            <p:txEl>
-                                              <p:pRg st="2" end="2"/>
-                                            </p:txEl>
-                                          </p:spTgt>
-                                        </p:tgtEl>
-                                        <p:attrNameLst>
-                                          <p:attrName>style.visibility</p:attrName>
-                                        </p:attrNameLst>
-                                      </p:cBhvr>
-                                      <p:to>
-                                        <p:strVal val="visible"/>
-                                      </p:to>
-                                    </p:set>
-                                  </p:childTnLst>
-                                </p:cTn>
-                              </p:par>
-                            </p:childTnLst>
-                          </p:cTn>
-                        </p:par>
-                      </p:childTnLst>
-                    </p:cTn>
-                  </p:par>
-                  <p:par>
-                    <p:cTn id="11" fill="hold">
-                      <p:stCondLst>
-                        <p:cond delay="indefinite"/>
-                      </p:stCondLst>
-                      <p:childTnLst>
-                        <p:par>
-                          <p:cTn id="12" fill="hold">
-                            <p:stCondLst>
-                              <p:cond delay="0"/>
-                            </p:stCondLst>
-                            <p:childTnLst>
-                              <p:par>
-                                <p:cTn id="13" presetID="2" presetClass="entr" presetSubtype="4" fill="hold" nodeType="clickEffect">
-                                  <p:stCondLst>
-                                    <p:cond delay="0"/>
-                                  </p:stCondLst>
-                                  <p:childTnLst>
-                                    <p:set>
-                                      <p:cBhvr>
-                                        <p:cTn id="14" dur="1" fill="hold">
-                                          <p:stCondLst>
-                                            <p:cond delay="0"/>
-                                          </p:stCondLst>
-                                        </p:cTn>
-                                        <p:tgtEl>
-                                          <p:spTgt spid="3">
-                                            <p:txEl>
-                                              <p:pRg st="4" end="4"/>
-                                            </p:txEl>
-                                          </p:spTgt>
-                                        </p:tgtEl>
-                                        <p:attrNameLst>
-                                          <p:attrName>style.visibility</p:attrName>
-                                        </p:attrNameLst>
-                                      </p:cBhvr>
-                                      <p:to>
-                                        <p:strVal val="visible"/>
-                                      </p:to>
-                                    </p:set>
-                                    <p:anim calcmode="lin" valueType="num">
-                                      <p:cBhvr additive="base">
-                                        <p:cTn id="15" dur="500" fill="hold"/>
-                                        <p:tgtEl>
-                                          <p:spTgt spid="3">
-                                            <p:txEl>
-                                              <p:pRg st="4" end="4"/>
-                                            </p:txEl>
-                                          </p:spTgt>
-                                        </p:tgtEl>
-                                        <p:attrNameLst>
-                                          <p:attrName>ppt_x</p:attrName>
-                                        </p:attrNameLst>
-                                      </p:cBhvr>
-                                      <p:tavLst>
-                                        <p:tav tm="0">
-                                          <p:val>
-                                            <p:strVal val="#ppt_x"/>
-                                          </p:val>
-                                        </p:tav>
-                                        <p:tav tm="100000">
-                                          <p:val>
-                                            <p:strVal val="#ppt_x"/>
-                                          </p:val>
-                                        </p:tav>
-                                      </p:tavLst>
-                                    </p:anim>
-                                    <p:anim calcmode="lin" valueType="num">
-                                      <p:cBhvr additive="base">
-                                        <p:cTn id="16" dur="500" fill="hold"/>
-                                        <p:tgtEl>
-                                          <p:spTgt spid="3">
-                                            <p:txEl>
-                                              <p:pRg st="4" end="4"/>
-                                            </p:txEl>
-                                          </p:spTgt>
-                                        </p:tgtEl>
-                                        <p:attrNameLst>
-                                          <p:attrName>ppt_y</p:attrName>
-                                        </p:attrNameLst>
-                                      </p:cBhvr>
-                                      <p:tavLst>
-                                        <p:tav tm="0">
-                                          <p:val>
-                                            <p:strVal val="1+#ppt_h/2"/>
-                                          </p:val>
-                                        </p:tav>
-                                        <p:tav tm="100000">
-                                          <p:val>
-                                            <p:strVal val="#ppt_y"/>
-                                          </p:val>
-                                        </p:tav>
-                                      </p:tavLst>
-                                    </p:anim>
-                                  </p:childTnLst>
-                                </p:cTn>
-                              </p:par>
-                            </p:childTnLst>
-                          </p:cTn>
-                        </p:par>
-                      </p:childTnLst>
-                    </p:cTn>
-                  </p:par>
-                  <p:par>
-                    <p:cTn id="17" fill="hold">
-                      <p:stCondLst>
-                        <p:cond delay="indefinite"/>
-                      </p:stCondLst>
-                      <p:childTnLst>
-                        <p:par>
-                          <p:cTn id="18" fill="hold">
-                            <p:stCondLst>
-                              <p:cond delay="0"/>
-                            </p:stCondLst>
-                            <p:childTnLst>
-                              <p:par>
-                                <p:cTn id="19" presetID="2" presetClass="entr" presetSubtype="4" fill="hold" nodeType="clickEffect">
-                                  <p:stCondLst>
-                                    <p:cond delay="0"/>
-                                  </p:stCondLst>
-                                  <p:childTnLst>
-                                    <p:set>
-                                      <p:cBhvr>
-                                        <p:cTn id="20" dur="1" fill="hold">
-                                          <p:stCondLst>
-                                            <p:cond delay="0"/>
-                                          </p:stCondLst>
-                                        </p:cTn>
-                                        <p:tgtEl>
-                                          <p:spTgt spid="3">
-                                            <p:txEl>
-                                              <p:pRg st="6" end="6"/>
-                                            </p:txEl>
-                                          </p:spTgt>
-                                        </p:tgtEl>
-                                        <p:attrNameLst>
-                                          <p:attrName>style.visibility</p:attrName>
-                                        </p:attrNameLst>
-                                      </p:cBhvr>
-                                      <p:to>
-                                        <p:strVal val="visible"/>
-                                      </p:to>
-                                    </p:set>
-                                    <p:anim calcmode="lin" valueType="num">
-                                      <p:cBhvr additive="base">
-                                        <p:cTn id="21" dur="500" fill="hold"/>
-                                        <p:tgtEl>
-                                          <p:spTgt spid="3">
-                                            <p:txEl>
-                                              <p:pRg st="6" end="6"/>
-                                            </p:txEl>
-                                          </p:spTgt>
-                                        </p:tgtEl>
-                                        <p:attrNameLst>
-                                          <p:attrName>ppt_x</p:attrName>
-                                        </p:attrNameLst>
-                                      </p:cBhvr>
-                                      <p:tavLst>
-                                        <p:tav tm="0">
-                                          <p:val>
-                                            <p:strVal val="#ppt_x"/>
-                                          </p:val>
-                                        </p:tav>
-                                        <p:tav tm="100000">
-                                          <p:val>
-                                            <p:strVal val="#ppt_x"/>
-                                          </p:val>
-                                        </p:tav>
-                                      </p:tavLst>
-                                    </p:anim>
-                                    <p:anim calcmode="lin" valueType="num">
-                                      <p:cBhvr additive="base">
-                                        <p:cTn id="22" dur="500" fill="hold"/>
-                                        <p:tgtEl>
-                                          <p:spTgt spid="3">
-                                            <p:txEl>
-                                              <p:pRg st="6" end="6"/>
-                                            </p:txEl>
-                                          </p:spTgt>
-                                        </p:tgtEl>
-                                        <p:attrNameLst>
-                                          <p:attrName>ppt_y</p:attrName>
-                                        </p:attrNameLst>
-                                      </p:cBhvr>
-                                      <p:tavLst>
-                                        <p:tav tm="0">
-                                          <p:val>
-                                            <p:strVal val="1+#ppt_h/2"/>
-                                          </p:val>
-                                        </p:tav>
-                                        <p:tav tm="100000">
-                                          <p:val>
-                                            <p:strVal val="#ppt_y"/>
-                                          </p:val>
-                                        </p:tav>
-                                      </p:tavLst>
-                                    </p:anim>
-                                  </p:childTnLst>
-                                </p:cTn>
-                              </p:par>
-                            </p:childTnLst>
-                          </p:cTn>
-                        </p:par>
-                      </p:childTnLst>
-                    </p:cTn>
-                  </p:par>
-                  <p:par>
-                    <p:cTn id="23" fill="hold">
-                      <p:stCondLst>
-                        <p:cond delay="indefinite"/>
-                      </p:stCondLst>
-                      <p:childTnLst>
-                        <p:par>
-                          <p:cTn id="24" fill="hold">
-                            <p:stCondLst>
-                              <p:cond delay="0"/>
-                            </p:stCondLst>
-                            <p:childTnLst>
-                              <p:par>
-                                <p:cTn id="25" presetID="1" presetClass="entr" presetSubtype="0" fill="hold" nodeType="clickEffect">
-                                  <p:stCondLst>
-                                    <p:cond delay="0"/>
-                                  </p:stCondLst>
-                                  <p:childTnLst>
-                                    <p:set>
-                                      <p:cBhvr>
-                                        <p:cTn id="26" dur="1" fill="hold">
-                                          <p:stCondLst>
-                                            <p:cond delay="0"/>
-                                          </p:stCondLst>
-                                        </p:cTn>
-                                        <p:tgtEl>
-                                          <p:spTgt spid="3">
-                                            <p:txEl>
-                                              <p:pRg st="8" end="8"/>
-                                            </p:txEl>
-                                          </p:spTgt>
-                                        </p:tgtEl>
-                                        <p:attrNameLst>
-                                          <p:attrName>style.visibility</p:attrName>
-                                        </p:attrNameLst>
-                                      </p:cBhvr>
-                                      <p:to>
-                                        <p:strVal val="visible"/>
-                                      </p:to>
-                                    </p:set>
-                                  </p:childTnLst>
-                                </p:cTn>
-                              </p:par>
-                            </p:childTnLst>
-                          </p:cTn>
-                        </p:par>
-                      </p:childTnLst>
-                    </p:cTn>
-                  </p:par>
-                  <p:par>
-                    <p:cTn id="27" fill="hold">
-                      <p:stCondLst>
-                        <p:cond delay="indefinite"/>
-                      </p:stCondLst>
-                      <p:childTnLst>
-                        <p:par>
-                          <p:cTn id="28" fill="hold">
-                            <p:stCondLst>
-                              <p:cond delay="0"/>
-                            </p:stCondLst>
-                            <p:childTnLst>
-                              <p:par>
-                                <p:cTn id="29" presetID="1" presetClass="entr" presetSubtype="0" fill="hold" nodeType="clickEffect">
-                                  <p:stCondLst>
-                                    <p:cond delay="0"/>
-                                  </p:stCondLst>
-                                  <p:childTnLst>
-                                    <p:set>
-                                      <p:cBhvr>
-                                        <p:cTn id="30" dur="1" fill="hold">
-                                          <p:stCondLst>
-                                            <p:cond delay="0"/>
-                                          </p:stCondLst>
-                                        </p:cTn>
-                                        <p:tgtEl>
-                                          <p:spTgt spid="3">
-                                            <p:txEl>
-                                              <p:pRg st="10" end="10"/>
-                                            </p:txEl>
-                                          </p:spTgt>
-                                        </p:tgtEl>
-                                        <p:attrNameLst>
-                                          <p:attrName>style.visibility</p:attrName>
-                                        </p:attrNameLst>
-                                      </p:cBhvr>
-                                      <p:to>
-                                        <p:strVal val="visible"/>
-                                      </p:to>
-                                    </p:set>
-                                  </p:childTnLst>
-                                </p:cTn>
-                              </p:par>
-                            </p:childTnLst>
-                          </p:cTn>
-                        </p:par>
-                      </p:childTnLst>
-                    </p:cTn>
-                  </p:par>
-                </p:childTnLst>
-              </p:cTn>
-              <p:prevCondLst>
-                <p:cond evt="onPrev" delay="0">
-                  <p:tgtEl>
-                    <p:sldTgt/>
-                  </p:tgtEl>
-                </p:cond>
-              </p:prevCondLst>
-              <p:nextCondLst>
-                <p:cond evt="onNext" delay="0">
-                  <p:tgtEl>
-                    <p:sldTgt/>
-                  </p:tgtEl>
-                </p:cond>
-              </p:nextCondLst>
-            </p:seq>
-          </p:childTnLst>
-        </p:cTn>
+        <p:cTn id="1" dur="indefinite" restart="never" nodeType="tmRoot"/>
       </p:par>
     </p:tnLst>
   </p:timing>
@@ -11730,36 +10803,6 @@
           </a:p>
         </p:txBody>
       </p:sp>
-      <p:pic>
-        <p:nvPicPr>
-          <p:cNvPr id="7" name="Picture 6">
-            <a:extLst>
-              <a:ext uri="{FF2B5EF4-FFF2-40B4-BE49-F238E27FC236}">
-                <a16:creationId xmlns:a16="http://schemas.microsoft.com/office/drawing/2014/main" id="{C24B96BE-793C-480B-93F0-8B5FCB77D9BB}"/>
-              </a:ext>
-            </a:extLst>
-          </p:cNvPr>
-          <p:cNvPicPr>
-            <a:picLocks noChangeAspect="1"/>
-          </p:cNvPicPr>
-          <p:nvPr/>
-        </p:nvPicPr>
-        <p:blipFill>
-          <a:blip r:embed="rId2"/>
-          <a:stretch>
-            <a:fillRect/>
-          </a:stretch>
-        </p:blipFill>
-        <p:spPr>
-          <a:xfrm>
-            <a:off x="838200" y="2294600"/>
-            <a:ext cx="10077450" cy="3600450"/>
-          </a:xfrm>
-          <a:prstGeom prst="rect">
-            <a:avLst/>
-          </a:prstGeom>
-        </p:spPr>
-      </p:pic>
     </p:spTree>
     <p:extLst>
       <p:ext uri="{BB962C8B-B14F-4D97-AF65-F5344CB8AC3E}">
@@ -11809,51 +10852,6 @@
                                               <p:pRg st="0" end="0"/>
                                             </p:txEl>
                                           </p:spTgt>
-                                        </p:tgtEl>
-                                        <p:attrNameLst>
-                                          <p:attrName>style.visibility</p:attrName>
-                                        </p:attrNameLst>
-                                      </p:cBhvr>
-                                      <p:to>
-                                        <p:strVal val="visible"/>
-                                      </p:to>
-                                    </p:set>
-                                  </p:childTnLst>
-                                </p:cTn>
-                              </p:par>
-                            </p:childTnLst>
-                          </p:cTn>
-                        </p:par>
-                      </p:childTnLst>
-                    </p:cTn>
-                  </p:par>
-                  <p:par>
-                    <p:cTn id="7" fill="hold">
-                      <p:stCondLst>
-                        <p:cond delay="indefinite"/>
-                      </p:stCondLst>
-                      <p:childTnLst>
-                        <p:par>
-                          <p:cTn id="8" fill="hold">
-                            <p:stCondLst>
-                              <p:cond delay="0"/>
-                            </p:stCondLst>
-                            <p:childTnLst>
-                              <p:par>
-                                <p:cTn id="9" presetID="1" presetClass="entr" presetSubtype="0" fill="hold" nodeType="clickEffect">
-                                  <p:stCondLst>
-                                    <p:cond delay="0"/>
-                                  </p:stCondLst>
-                                  <p:childTnLst>
-                                    <p:set>
-                                      <p:cBhvr>
-                                        <p:cTn id="10" dur="1" fill="hold">
-                                          <p:stCondLst>
-                                            <p:cond delay="0"/>
-                                          </p:stCondLst>
-                                        </p:cTn>
-                                        <p:tgtEl>
-                                          <p:spTgt spid="7"/>
                                         </p:tgtEl>
                                         <p:attrNameLst>
                                           <p:attrName>style.visibility</p:attrName>
